--- a/DOC/241004_파일경로및프로젝트참조.pptx
+++ b/DOC/241004_파일경로및프로젝트참조.pptx
@@ -4174,11 +4174,11 @@
               <a:t>올라갈수</a:t>
             </a:r>
             <a:r>
-              <a:rPr lang="ko-KR" altLang="en-US"/>
+              <a:rPr lang="ko-KR" altLang="en-US" dirty="0"/>
               <a:t> 있을 정도로 빌드가 된 상태의 파일을 의미합니다</a:t>
             </a:r>
             <a:r>
-              <a:rPr lang="en-US" altLang="ko-KR"/>
+              <a:rPr lang="en-US" altLang="ko-KR" dirty="0"/>
               <a:t>.</a:t>
             </a:r>
           </a:p>
